--- a/Analyse des ventes Librairie/Ramat_Romain_1_support_052025.pptx
+++ b/Analyse des ventes Librairie/Ramat_Romain_1_support_052025.pptx
@@ -3441,7 +3441,7 @@
           <a:p>
             <a:fld id="{230A34D2-2A1D-494A-BCDF-8DCDEE53A946}" type="datetimeFigureOut">
               <a:rPr lang="fr-FR" smtClean="0"/>
-              <a:t>22/05/2025</a:t>
+              <a:t>10/11/2025</a:t>
             </a:fld>
             <a:endParaRPr lang="fr-FR"/>
           </a:p>
@@ -3945,7 +3945,7 @@
           <a:p>
             <a:fld id="{D1D1EADE-8E88-4C7C-8AC5-FB148DE4940E}" type="datetime1">
               <a:rPr lang="en-US" smtClean="0"/>
-              <a:t>5/22/2025</a:t>
+              <a:t>11/10/2025</a:t>
             </a:fld>
             <a:endParaRPr lang="en-US"/>
           </a:p>
@@ -4159,7 +4159,7 @@
           <a:p>
             <a:fld id="{157B6794-849E-4626-908B-D15793550EFB}" type="datetime1">
               <a:rPr lang="en-US" smtClean="0"/>
-              <a:t>5/22/2025</a:t>
+              <a:t>11/10/2025</a:t>
             </a:fld>
             <a:endParaRPr lang="en-US"/>
           </a:p>
@@ -4435,7 +4435,7 @@
           <a:p>
             <a:fld id="{63DB64E7-5594-42A3-ADBF-E95A7ACEAD64}" type="datetime1">
               <a:rPr lang="en-US" smtClean="0"/>
-              <a:t>5/22/2025</a:t>
+              <a:t>11/10/2025</a:t>
             </a:fld>
             <a:endParaRPr lang="en-US"/>
           </a:p>
@@ -4763,7 +4763,7 @@
           <a:p>
             <a:fld id="{18462B0B-D248-4FFB-8695-AD7FA4B1284A}" type="datetime1">
               <a:rPr lang="en-US" smtClean="0"/>
-              <a:t>5/22/2025</a:t>
+              <a:t>11/10/2025</a:t>
             </a:fld>
             <a:endParaRPr lang="en-US"/>
           </a:p>
@@ -5207,7 +5207,7 @@
           <a:p>
             <a:fld id="{D0378EFB-9159-4510-B73F-4F0409ADE937}" type="datetime1">
               <a:rPr lang="en-US" smtClean="0"/>
-              <a:t>5/22/2025</a:t>
+              <a:t>11/10/2025</a:t>
             </a:fld>
             <a:endParaRPr lang="en-US"/>
           </a:p>
@@ -5375,7 +5375,7 @@
           <a:p>
             <a:fld id="{89BC9412-2452-4BED-A324-9D8C115361AD}" type="datetime1">
               <a:rPr lang="en-US" smtClean="0"/>
-              <a:t>5/22/2025</a:t>
+              <a:t>11/10/2025</a:t>
             </a:fld>
             <a:endParaRPr lang="en-US"/>
           </a:p>
@@ -5543,7 +5543,7 @@
           <a:p>
             <a:fld id="{F5318F62-D251-40E8-A23C-F4CFE9FEAB41}" type="datetime1">
               <a:rPr lang="en-US" smtClean="0"/>
-              <a:t>5/22/2025</a:t>
+              <a:t>11/10/2025</a:t>
             </a:fld>
             <a:endParaRPr lang="en-US"/>
           </a:p>
@@ -5856,7 +5856,7 @@
           <a:p>
             <a:fld id="{44F76144-149E-4874-93A5-554A0357CF82}" type="datetime1">
               <a:rPr lang="en-US" smtClean="0"/>
-              <a:t>5/22/2025</a:t>
+              <a:t>11/10/2025</a:t>
             </a:fld>
             <a:endParaRPr lang="en-US"/>
           </a:p>
@@ -6149,7 +6149,7 @@
           <a:p>
             <a:fld id="{50BA65D8-0540-4835-AE5C-25D29DBA01BE}" type="datetime1">
               <a:rPr lang="en-US" smtClean="0"/>
-              <a:t>5/22/2025</a:t>
+              <a:t>11/10/2025</a:t>
             </a:fld>
             <a:endParaRPr lang="en-US"/>
           </a:p>
@@ -6391,7 +6391,7 @@
           <a:p>
             <a:fld id="{E31BA835-12AC-4E8F-955A-EA3F4DE2791F}" type="datetime1">
               <a:rPr lang="en-US" smtClean="0"/>
-              <a:t>5/22/2025</a:t>
+              <a:t>11/10/2025</a:t>
             </a:fld>
             <a:endParaRPr lang="en-US"/>
           </a:p>
